--- a/Presentations/8.TeamWorkAndGit.pptx
+++ b/Presentations/8.TeamWorkAndGit.pptx
@@ -170,8 +170,8 @@
 <pc:chgInfo xmlns:a="http://schemas.openxmlformats.org/drawingml/2006/main" xmlns:r="http://schemas.openxmlformats.org/officeDocument/2006/relationships" xmlns:ac="http://schemas.microsoft.com/office/drawing/2013/main/command" xmlns:pc="http://schemas.microsoft.com/office/powerpoint/2013/main/command">
   <pc:docChgLst>
     <pc:chgData name="Kristofer Carta" userId="a949ead7c4bcd18f" providerId="LiveId" clId="{8AAC0A60-0DC6-4837-95AB-2BF88444FD1C}"/>
-    <pc:docChg chg="undo redo custSel addSld delSld modSld">
-      <pc:chgData name="Kristofer Carta" userId="a949ead7c4bcd18f" providerId="LiveId" clId="{8AAC0A60-0DC6-4837-95AB-2BF88444FD1C}" dt="2017-09-13T21:40:49.608" v="3965" actId="20577"/>
+    <pc:docChg chg="undo redo custSel addSld delSld modSld sldOrd">
+      <pc:chgData name="Kristofer Carta" userId="a949ead7c4bcd18f" providerId="LiveId" clId="{8AAC0A60-0DC6-4837-95AB-2BF88444FD1C}" dt="2017-09-13T21:58:26.991" v="3966"/>
       <pc:docMkLst>
         <pc:docMk/>
       </pc:docMkLst>
@@ -220,8 +220,8 @@
           </ac:spMkLst>
         </pc:spChg>
       </pc:sldChg>
-      <pc:sldChg chg="modSp">
-        <pc:chgData name="Kristofer Carta" userId="a949ead7c4bcd18f" providerId="LiveId" clId="{8AAC0A60-0DC6-4837-95AB-2BF88444FD1C}" dt="2017-09-13T21:37:19.963" v="3759" actId="6549"/>
+      <pc:sldChg chg="modSp ord">
+        <pc:chgData name="Kristofer Carta" userId="a949ead7c4bcd18f" providerId="LiveId" clId="{8AAC0A60-0DC6-4837-95AB-2BF88444FD1C}" dt="2017-09-13T21:58:26.991" v="3966"/>
         <pc:sldMkLst>
           <pc:docMk/>
           <pc:sldMk cId="293865707" sldId="263"/>
@@ -243,8 +243,8 @@
           </ac:spMkLst>
         </pc:spChg>
       </pc:sldChg>
-      <pc:sldChg chg="modSp">
-        <pc:chgData name="Kristofer Carta" userId="a949ead7c4bcd18f" providerId="LiveId" clId="{8AAC0A60-0DC6-4837-95AB-2BF88444FD1C}" dt="2017-09-13T20:54:46.004" v="1845" actId="20577"/>
+      <pc:sldChg chg="modSp ord">
+        <pc:chgData name="Kristofer Carta" userId="a949ead7c4bcd18f" providerId="LiveId" clId="{8AAC0A60-0DC6-4837-95AB-2BF88444FD1C}" dt="2017-09-13T21:58:26.991" v="3966"/>
         <pc:sldMkLst>
           <pc:docMk/>
           <pc:sldMk cId="808202410" sldId="264"/>
@@ -342,7 +342,7 @@
           </ac:picMkLst>
         </pc:picChg>
         <pc:picChg chg="add del">
-          <ac:chgData name="Kristofer Carta" userId="a949ead7c4bcd18f" providerId="LiveId" clId="{8AAC0A60-0DC6-4837-95AB-2BF88444FD1C}" dt="2017-09-13T21:16:16.693" v="3174"/>
+          <ac:chgData name="Kristofer Carta" userId="a949ead7c4bcd18f" providerId="LiveId" clId="{8AAC0A60-0DC6-4837-95AB-2BF88444FD1C}" dt="2017-09-13T21:16:16.693" v="3174" actId="5793"/>
           <ac:picMkLst>
             <pc:docMk/>
             <pc:sldMk cId="944621421" sldId="270"/>
@@ -539,7 +539,7 @@
           </ac:spMkLst>
         </pc:spChg>
         <pc:spChg chg="add del">
-          <ac:chgData name="Kristofer Carta" userId="a949ead7c4bcd18f" providerId="LiveId" clId="{8AAC0A60-0DC6-4837-95AB-2BF88444FD1C}" dt="2017-09-13T21:31:43.590" v="3698"/>
+          <ac:chgData name="Kristofer Carta" userId="a949ead7c4bcd18f" providerId="LiveId" clId="{8AAC0A60-0DC6-4837-95AB-2BF88444FD1C}" dt="2017-09-13T21:31:43.590" v="3698" actId="14100"/>
           <ac:spMkLst>
             <pc:docMk/>
             <pc:sldMk cId="2009934006" sldId="283"/>
@@ -759,8 +759,8 @@
           </ac:spMkLst>
         </pc:spChg>
       </pc:sldChg>
-      <pc:sldChg chg="addSp delSp modSp add">
-        <pc:chgData name="Kristofer Carta" userId="a949ead7c4bcd18f" providerId="LiveId" clId="{8AAC0A60-0DC6-4837-95AB-2BF88444FD1C}" dt="2017-09-13T21:38:44.064" v="3901" actId="15"/>
+      <pc:sldChg chg="addSp delSp modSp add ord">
+        <pc:chgData name="Kristofer Carta" userId="a949ead7c4bcd18f" providerId="LiveId" clId="{8AAC0A60-0DC6-4837-95AB-2BF88444FD1C}" dt="2017-09-13T21:58:26.991" v="3966"/>
         <pc:sldMkLst>
           <pc:docMk/>
           <pc:sldMk cId="1817722891" sldId="303"/>
@@ -799,7 +799,7 @@
         </pc:picChg>
       </pc:sldChg>
       <pc:sldChg chg="modSp add">
-        <pc:chgData name="Kristofer Carta" userId="a949ead7c4bcd18f" providerId="LiveId" clId="{8AAC0A60-0DC6-4837-95AB-2BF88444FD1C}" dt="2017-09-13T21:40:11.266" v="3917"/>
+        <pc:chgData name="Kristofer Carta" userId="a949ead7c4bcd18f" providerId="LiveId" clId="{8AAC0A60-0DC6-4837-95AB-2BF88444FD1C}" dt="2017-09-13T21:40:11.266" v="3917" actId="20577"/>
         <pc:sldMkLst>
           <pc:docMk/>
           <pc:sldMk cId="112097286" sldId="304"/>
@@ -813,7 +813,7 @@
           </ac:spMkLst>
         </pc:spChg>
         <pc:graphicFrameChg chg="mod">
-          <ac:chgData name="Kristofer Carta" userId="a949ead7c4bcd18f" providerId="LiveId" clId="{8AAC0A60-0DC6-4837-95AB-2BF88444FD1C}" dt="2017-09-13T21:40:11.266" v="3917"/>
+          <ac:chgData name="Kristofer Carta" userId="a949ead7c4bcd18f" providerId="LiveId" clId="{8AAC0A60-0DC6-4837-95AB-2BF88444FD1C}" dt="2017-09-13T21:40:11.266" v="3917" actId="20577"/>
           <ac:graphicFrameMkLst>
             <pc:docMk/>
             <pc:sldMk cId="112097286" sldId="304"/>

--- a/Presentations/8.TeamWorkAndGit.pptx
+++ b/Presentations/8.TeamWorkAndGit.pptx
@@ -12627,7 +12627,7 @@
           <a:p>
             <a:fld id="{5365F620-2651-4EE7-A021-86DCF70839ED}" type="datetimeFigureOut">
               <a:rPr lang="en-US" smtClean="0"/>
-              <a:t>13-Sep-17</a:t>
+              <a:t>15-Sep-17</a:t>
             </a:fld>
             <a:endParaRPr lang="en-US"/>
           </a:p>
@@ -13209,7 +13209,7 @@
           <a:p>
             <a:fld id="{3782CE92-F9D3-4EB2-AD9D-26F7FF2DF595}" type="datetimeFigureOut">
               <a:rPr lang="en-US" smtClean="0"/>
-              <a:t>13-Sep-17</a:t>
+              <a:t>15-Sep-17</a:t>
             </a:fld>
             <a:endParaRPr lang="en-US"/>
           </a:p>
@@ -13407,7 +13407,7 @@
           <a:p>
             <a:fld id="{3782CE92-F9D3-4EB2-AD9D-26F7FF2DF595}" type="datetimeFigureOut">
               <a:rPr lang="en-US" smtClean="0"/>
-              <a:t>13-Sep-17</a:t>
+              <a:t>15-Sep-17</a:t>
             </a:fld>
             <a:endParaRPr lang="en-US"/>
           </a:p>
@@ -13615,7 +13615,7 @@
           <a:p>
             <a:fld id="{3782CE92-F9D3-4EB2-AD9D-26F7FF2DF595}" type="datetimeFigureOut">
               <a:rPr lang="en-US" smtClean="0"/>
-              <a:t>13-Sep-17</a:t>
+              <a:t>15-Sep-17</a:t>
             </a:fld>
             <a:endParaRPr lang="en-US"/>
           </a:p>
@@ -13819,7 +13819,7 @@
           <a:p>
             <a:fld id="{3782CE92-F9D3-4EB2-AD9D-26F7FF2DF595}" type="datetimeFigureOut">
               <a:rPr lang="en-US" smtClean="0"/>
-              <a:t>13-Sep-17</a:t>
+              <a:t>15-Sep-17</a:t>
             </a:fld>
             <a:endParaRPr lang="en-US"/>
           </a:p>
@@ -13989,7 +13989,7 @@
           <a:p>
             <a:fld id="{3782CE92-F9D3-4EB2-AD9D-26F7FF2DF595}" type="datetimeFigureOut">
               <a:rPr lang="en-US" smtClean="0"/>
-              <a:t>13-Sep-17</a:t>
+              <a:t>15-Sep-17</a:t>
             </a:fld>
             <a:endParaRPr lang="en-US"/>
           </a:p>
@@ -14235,7 +14235,7 @@
           <a:p>
             <a:fld id="{3782CE92-F9D3-4EB2-AD9D-26F7FF2DF595}" type="datetimeFigureOut">
               <a:rPr lang="en-US" smtClean="0"/>
-              <a:t>13-Sep-17</a:t>
+              <a:t>15-Sep-17</a:t>
             </a:fld>
             <a:endParaRPr lang="en-US"/>
           </a:p>
@@ -14467,7 +14467,7 @@
           <a:p>
             <a:fld id="{3782CE92-F9D3-4EB2-AD9D-26F7FF2DF595}" type="datetimeFigureOut">
               <a:rPr lang="en-US" smtClean="0"/>
-              <a:t>13-Sep-17</a:t>
+              <a:t>15-Sep-17</a:t>
             </a:fld>
             <a:endParaRPr lang="en-US"/>
           </a:p>
@@ -14834,7 +14834,7 @@
           <a:p>
             <a:fld id="{3782CE92-F9D3-4EB2-AD9D-26F7FF2DF595}" type="datetimeFigureOut">
               <a:rPr lang="en-US" smtClean="0"/>
-              <a:t>13-Sep-17</a:t>
+              <a:t>15-Sep-17</a:t>
             </a:fld>
             <a:endParaRPr lang="en-US"/>
           </a:p>
@@ -14952,7 +14952,7 @@
           <a:p>
             <a:fld id="{3782CE92-F9D3-4EB2-AD9D-26F7FF2DF595}" type="datetimeFigureOut">
               <a:rPr lang="en-US" smtClean="0"/>
-              <a:t>13-Sep-17</a:t>
+              <a:t>15-Sep-17</a:t>
             </a:fld>
             <a:endParaRPr lang="en-US"/>
           </a:p>
@@ -15047,7 +15047,7 @@
           <a:p>
             <a:fld id="{3782CE92-F9D3-4EB2-AD9D-26F7FF2DF595}" type="datetimeFigureOut">
               <a:rPr lang="en-US" smtClean="0"/>
-              <a:t>13-Sep-17</a:t>
+              <a:t>15-Sep-17</a:t>
             </a:fld>
             <a:endParaRPr lang="en-US"/>
           </a:p>
@@ -15324,7 +15324,7 @@
           <a:p>
             <a:fld id="{3782CE92-F9D3-4EB2-AD9D-26F7FF2DF595}" type="datetimeFigureOut">
               <a:rPr lang="en-US" smtClean="0"/>
-              <a:t>13-Sep-17</a:t>
+              <a:t>15-Sep-17</a:t>
             </a:fld>
             <a:endParaRPr lang="en-US"/>
           </a:p>
@@ -15510,7 +15510,7 @@
           <a:p>
             <a:fld id="{3782CE92-F9D3-4EB2-AD9D-26F7FF2DF595}" type="datetimeFigureOut">
               <a:rPr lang="en-US" smtClean="0"/>
-              <a:t>13-Sep-17</a:t>
+              <a:t>15-Sep-17</a:t>
             </a:fld>
             <a:endParaRPr lang="en-US"/>
           </a:p>
@@ -15779,7 +15779,7 @@
           <a:p>
             <a:fld id="{3782CE92-F9D3-4EB2-AD9D-26F7FF2DF595}" type="datetimeFigureOut">
               <a:rPr lang="en-US" smtClean="0"/>
-              <a:t>13-Sep-17</a:t>
+              <a:t>15-Sep-17</a:t>
             </a:fld>
             <a:endParaRPr lang="en-US"/>
           </a:p>
@@ -15949,7 +15949,7 @@
           <a:p>
             <a:fld id="{3782CE92-F9D3-4EB2-AD9D-26F7FF2DF595}" type="datetimeFigureOut">
               <a:rPr lang="en-US" smtClean="0"/>
-              <a:t>13-Sep-17</a:t>
+              <a:t>15-Sep-17</a:t>
             </a:fld>
             <a:endParaRPr lang="en-US"/>
           </a:p>
@@ -16129,7 +16129,7 @@
           <a:p>
             <a:fld id="{3782CE92-F9D3-4EB2-AD9D-26F7FF2DF595}" type="datetimeFigureOut">
               <a:rPr lang="en-US" smtClean="0"/>
-              <a:t>13-Sep-17</a:t>
+              <a:t>15-Sep-17</a:t>
             </a:fld>
             <a:endParaRPr lang="en-US"/>
           </a:p>
@@ -16321,7 +16321,7 @@
           <a:p>
             <a:fld id="{3782CE92-F9D3-4EB2-AD9D-26F7FF2DF595}" type="datetimeFigureOut">
               <a:rPr lang="en-US" smtClean="0"/>
-              <a:t>13-Sep-17</a:t>
+              <a:t>15-Sep-17</a:t>
             </a:fld>
             <a:endParaRPr lang="en-US"/>
           </a:p>
@@ -16491,7 +16491,7 @@
           <a:p>
             <a:fld id="{3782CE92-F9D3-4EB2-AD9D-26F7FF2DF595}" type="datetimeFigureOut">
               <a:rPr lang="en-US" smtClean="0"/>
-              <a:t>13-Sep-17</a:t>
+              <a:t>15-Sep-17</a:t>
             </a:fld>
             <a:endParaRPr lang="en-US"/>
           </a:p>
@@ -16737,7 +16737,7 @@
           <a:p>
             <a:fld id="{3782CE92-F9D3-4EB2-AD9D-26F7FF2DF595}" type="datetimeFigureOut">
               <a:rPr lang="en-US" smtClean="0"/>
-              <a:t>13-Sep-17</a:t>
+              <a:t>15-Sep-17</a:t>
             </a:fld>
             <a:endParaRPr lang="en-US"/>
           </a:p>
@@ -16969,7 +16969,7 @@
           <a:p>
             <a:fld id="{3782CE92-F9D3-4EB2-AD9D-26F7FF2DF595}" type="datetimeFigureOut">
               <a:rPr lang="en-US" smtClean="0"/>
-              <a:t>13-Sep-17</a:t>
+              <a:t>15-Sep-17</a:t>
             </a:fld>
             <a:endParaRPr lang="en-US"/>
           </a:p>
@@ -17336,7 +17336,7 @@
           <a:p>
             <a:fld id="{3782CE92-F9D3-4EB2-AD9D-26F7FF2DF595}" type="datetimeFigureOut">
               <a:rPr lang="en-US" smtClean="0"/>
-              <a:t>13-Sep-17</a:t>
+              <a:t>15-Sep-17</a:t>
             </a:fld>
             <a:endParaRPr lang="en-US"/>
           </a:p>
@@ -17454,7 +17454,7 @@
           <a:p>
             <a:fld id="{3782CE92-F9D3-4EB2-AD9D-26F7FF2DF595}" type="datetimeFigureOut">
               <a:rPr lang="en-US" smtClean="0"/>
-              <a:t>13-Sep-17</a:t>
+              <a:t>15-Sep-17</a:t>
             </a:fld>
             <a:endParaRPr lang="en-US"/>
           </a:p>
@@ -17549,7 +17549,7 @@
           <a:p>
             <a:fld id="{3782CE92-F9D3-4EB2-AD9D-26F7FF2DF595}" type="datetimeFigureOut">
               <a:rPr lang="en-US" smtClean="0"/>
-              <a:t>13-Sep-17</a:t>
+              <a:t>15-Sep-17</a:t>
             </a:fld>
             <a:endParaRPr lang="en-US"/>
           </a:p>
@@ -17812,7 +17812,7 @@
           <a:p>
             <a:fld id="{3782CE92-F9D3-4EB2-AD9D-26F7FF2DF595}" type="datetimeFigureOut">
               <a:rPr lang="en-US" smtClean="0"/>
-              <a:t>13-Sep-17</a:t>
+              <a:t>15-Sep-17</a:t>
             </a:fld>
             <a:endParaRPr lang="en-US"/>
           </a:p>
@@ -18101,7 +18101,7 @@
           <a:p>
             <a:fld id="{3782CE92-F9D3-4EB2-AD9D-26F7FF2DF595}" type="datetimeFigureOut">
               <a:rPr lang="en-US" smtClean="0"/>
-              <a:t>13-Sep-17</a:t>
+              <a:t>15-Sep-17</a:t>
             </a:fld>
             <a:endParaRPr lang="en-US"/>
           </a:p>
@@ -18358,7 +18358,7 @@
           <a:p>
             <a:fld id="{3782CE92-F9D3-4EB2-AD9D-26F7FF2DF595}" type="datetimeFigureOut">
               <a:rPr lang="en-US" smtClean="0"/>
-              <a:t>13-Sep-17</a:t>
+              <a:t>15-Sep-17</a:t>
             </a:fld>
             <a:endParaRPr lang="en-US"/>
           </a:p>
@@ -18528,7 +18528,7 @@
           <a:p>
             <a:fld id="{3782CE92-F9D3-4EB2-AD9D-26F7FF2DF595}" type="datetimeFigureOut">
               <a:rPr lang="en-US" smtClean="0"/>
-              <a:t>13-Sep-17</a:t>
+              <a:t>15-Sep-17</a:t>
             </a:fld>
             <a:endParaRPr lang="en-US"/>
           </a:p>
@@ -18708,7 +18708,7 @@
           <a:p>
             <a:fld id="{3782CE92-F9D3-4EB2-AD9D-26F7FF2DF595}" type="datetimeFigureOut">
               <a:rPr lang="en-US" smtClean="0"/>
-              <a:t>13-Sep-17</a:t>
+              <a:t>15-Sep-17</a:t>
             </a:fld>
             <a:endParaRPr lang="en-US"/>
           </a:p>
@@ -18961,7 +18961,7 @@
           <a:p>
             <a:fld id="{3782CE92-F9D3-4EB2-AD9D-26F7FF2DF595}" type="datetimeFigureOut">
               <a:rPr lang="en-US" smtClean="0"/>
-              <a:t>13-Sep-17</a:t>
+              <a:t>15-Sep-17</a:t>
             </a:fld>
             <a:endParaRPr lang="en-US"/>
           </a:p>
@@ -19373,7 +19373,7 @@
           <a:p>
             <a:fld id="{3782CE92-F9D3-4EB2-AD9D-26F7FF2DF595}" type="datetimeFigureOut">
               <a:rPr lang="en-US" smtClean="0"/>
-              <a:t>13-Sep-17</a:t>
+              <a:t>15-Sep-17</a:t>
             </a:fld>
             <a:endParaRPr lang="en-US"/>
           </a:p>
@@ -19514,7 +19514,7 @@
           <a:p>
             <a:fld id="{3782CE92-F9D3-4EB2-AD9D-26F7FF2DF595}" type="datetimeFigureOut">
               <a:rPr lang="en-US" smtClean="0"/>
-              <a:t>13-Sep-17</a:t>
+              <a:t>15-Sep-17</a:t>
             </a:fld>
             <a:endParaRPr lang="en-US"/>
           </a:p>
@@ -19627,7 +19627,7 @@
           <a:p>
             <a:fld id="{3782CE92-F9D3-4EB2-AD9D-26F7FF2DF595}" type="datetimeFigureOut">
               <a:rPr lang="en-US" smtClean="0"/>
-              <a:t>13-Sep-17</a:t>
+              <a:t>15-Sep-17</a:t>
             </a:fld>
             <a:endParaRPr lang="en-US"/>
           </a:p>
@@ -19938,7 +19938,7 @@
           <a:p>
             <a:fld id="{3782CE92-F9D3-4EB2-AD9D-26F7FF2DF595}" type="datetimeFigureOut">
               <a:rPr lang="en-US" smtClean="0"/>
-              <a:t>13-Sep-17</a:t>
+              <a:t>15-Sep-17</a:t>
             </a:fld>
             <a:endParaRPr lang="en-US"/>
           </a:p>
@@ -20226,7 +20226,7 @@
           <a:p>
             <a:fld id="{3782CE92-F9D3-4EB2-AD9D-26F7FF2DF595}" type="datetimeFigureOut">
               <a:rPr lang="en-US" smtClean="0"/>
-              <a:t>13-Sep-17</a:t>
+              <a:t>15-Sep-17</a:t>
             </a:fld>
             <a:endParaRPr lang="en-US"/>
           </a:p>
@@ -20467,7 +20467,7 @@
           <a:p>
             <a:fld id="{3782CE92-F9D3-4EB2-AD9D-26F7FF2DF595}" type="datetimeFigureOut">
               <a:rPr lang="en-US" smtClean="0"/>
-              <a:t>13-Sep-17</a:t>
+              <a:t>15-Sep-17</a:t>
             </a:fld>
             <a:endParaRPr lang="en-US"/>
           </a:p>
@@ -21019,7 +21019,7 @@
           <a:p>
             <a:fld id="{3782CE92-F9D3-4EB2-AD9D-26F7FF2DF595}" type="datetimeFigureOut">
               <a:rPr lang="en-US" smtClean="0"/>
-              <a:t>13-Sep-17</a:t>
+              <a:t>15-Sep-17</a:t>
             </a:fld>
             <a:endParaRPr lang="en-US"/>
           </a:p>
@@ -21559,7 +21559,7 @@
           <a:p>
             <a:fld id="{3782CE92-F9D3-4EB2-AD9D-26F7FF2DF595}" type="datetimeFigureOut">
               <a:rPr lang="en-US" smtClean="0"/>
-              <a:t>13-Sep-17</a:t>
+              <a:t>15-Sep-17</a:t>
             </a:fld>
             <a:endParaRPr lang="en-US"/>
           </a:p>
@@ -27654,6 +27654,44 @@
               <a:rPr lang="en-US" dirty="0"/>
               <a:t> for you.</a:t>
             </a:r>
+          </a:p>
+          <a:p>
+            <a:pPr marL="0" indent="0">
+              <a:buNone/>
+            </a:pPr>
+            <a:r>
+              <a:rPr lang="en-US" dirty="0"/>
+              <a:t>	</a:t>
+            </a:r>
+            <a:r>
+              <a:rPr lang="en-US" sz="2000" dirty="0"/>
+              <a:t>If you are creating a </a:t>
+            </a:r>
+            <a:r>
+              <a:rPr lang="en-US" sz="2000" b="1" dirty="0"/>
+              <a:t>.</a:t>
+            </a:r>
+            <a:r>
+              <a:rPr lang="en-US" sz="2000" b="1" dirty="0" err="1"/>
+              <a:t>gitignore</a:t>
+            </a:r>
+            <a:r>
+              <a:rPr lang="en-US" sz="2000" dirty="0"/>
+              <a:t> file on windows you have to name it “.</a:t>
+            </a:r>
+            <a:r>
+              <a:rPr lang="en-US" sz="2000" dirty="0" err="1"/>
+              <a:t>gitignore</a:t>
+            </a:r>
+            <a:r>
+              <a:rPr lang="en-US" sz="2000" dirty="0"/>
+              <a:t>.</a:t>
+            </a:r>
+            <a:r>
+              <a:rPr lang="en-US" sz="2400" dirty="0"/>
+              <a:t>”</a:t>
+            </a:r>
+            <a:endParaRPr lang="en-US" dirty="0"/>
           </a:p>
         </p:txBody>
       </p:sp>
